--- a/figures/barleyQQ.pptx
+++ b/figures/barleyQQ.pptx
@@ -243,7 +243,7 @@
           <a:p>
             <a:fld id="{D34E64AC-DB66-F145-9B13-8F141C27D869}" type="datetimeFigureOut">
               <a:rPr lang="en-JP" smtClean="0"/>
-              <a:t>2024/10/25</a:t>
+              <a:t>2024/10/26</a:t>
             </a:fld>
             <a:endParaRPr lang="en-JP"/>
           </a:p>
@@ -413,7 +413,7 @@
           <a:p>
             <a:fld id="{D34E64AC-DB66-F145-9B13-8F141C27D869}" type="datetimeFigureOut">
               <a:rPr lang="en-JP" smtClean="0"/>
-              <a:t>2024/10/25</a:t>
+              <a:t>2024/10/26</a:t>
             </a:fld>
             <a:endParaRPr lang="en-JP"/>
           </a:p>
@@ -593,7 +593,7 @@
           <a:p>
             <a:fld id="{D34E64AC-DB66-F145-9B13-8F141C27D869}" type="datetimeFigureOut">
               <a:rPr lang="en-JP" smtClean="0"/>
-              <a:t>2024/10/25</a:t>
+              <a:t>2024/10/26</a:t>
             </a:fld>
             <a:endParaRPr lang="en-JP"/>
           </a:p>
@@ -763,7 +763,7 @@
           <a:p>
             <a:fld id="{D34E64AC-DB66-F145-9B13-8F141C27D869}" type="datetimeFigureOut">
               <a:rPr lang="en-JP" smtClean="0"/>
-              <a:t>2024/10/25</a:t>
+              <a:t>2024/10/26</a:t>
             </a:fld>
             <a:endParaRPr lang="en-JP"/>
           </a:p>
@@ -1009,7 +1009,7 @@
           <a:p>
             <a:fld id="{D34E64AC-DB66-F145-9B13-8F141C27D869}" type="datetimeFigureOut">
               <a:rPr lang="en-JP" smtClean="0"/>
-              <a:t>2024/10/25</a:t>
+              <a:t>2024/10/26</a:t>
             </a:fld>
             <a:endParaRPr lang="en-JP"/>
           </a:p>
@@ -1241,7 +1241,7 @@
           <a:p>
             <a:fld id="{D34E64AC-DB66-F145-9B13-8F141C27D869}" type="datetimeFigureOut">
               <a:rPr lang="en-JP" smtClean="0"/>
-              <a:t>2024/10/25</a:t>
+              <a:t>2024/10/26</a:t>
             </a:fld>
             <a:endParaRPr lang="en-JP"/>
           </a:p>
@@ -1608,7 +1608,7 @@
           <a:p>
             <a:fld id="{D34E64AC-DB66-F145-9B13-8F141C27D869}" type="datetimeFigureOut">
               <a:rPr lang="en-JP" smtClean="0"/>
-              <a:t>2024/10/25</a:t>
+              <a:t>2024/10/26</a:t>
             </a:fld>
             <a:endParaRPr lang="en-JP"/>
           </a:p>
@@ -1726,7 +1726,7 @@
           <a:p>
             <a:fld id="{D34E64AC-DB66-F145-9B13-8F141C27D869}" type="datetimeFigureOut">
               <a:rPr lang="en-JP" smtClean="0"/>
-              <a:t>2024/10/25</a:t>
+              <a:t>2024/10/26</a:t>
             </a:fld>
             <a:endParaRPr lang="en-JP"/>
           </a:p>
@@ -1821,7 +1821,7 @@
           <a:p>
             <a:fld id="{D34E64AC-DB66-F145-9B13-8F141C27D869}" type="datetimeFigureOut">
               <a:rPr lang="en-JP" smtClean="0"/>
-              <a:t>2024/10/25</a:t>
+              <a:t>2024/10/26</a:t>
             </a:fld>
             <a:endParaRPr lang="en-JP"/>
           </a:p>
@@ -2098,7 +2098,7 @@
           <a:p>
             <a:fld id="{D34E64AC-DB66-F145-9B13-8F141C27D869}" type="datetimeFigureOut">
               <a:rPr lang="en-JP" smtClean="0"/>
-              <a:t>2024/10/25</a:t>
+              <a:t>2024/10/26</a:t>
             </a:fld>
             <a:endParaRPr lang="en-JP"/>
           </a:p>
@@ -2355,7 +2355,7 @@
           <a:p>
             <a:fld id="{D34E64AC-DB66-F145-9B13-8F141C27D869}" type="datetimeFigureOut">
               <a:rPr lang="en-JP" smtClean="0"/>
-              <a:t>2024/10/25</a:t>
+              <a:t>2024/10/26</a:t>
             </a:fld>
             <a:endParaRPr lang="en-JP"/>
           </a:p>
@@ -2568,7 +2568,7 @@
           <a:p>
             <a:fld id="{D34E64AC-DB66-F145-9B13-8F141C27D869}" type="datetimeFigureOut">
               <a:rPr lang="en-JP" smtClean="0"/>
-              <a:t>2024/10/25</a:t>
+              <a:t>2024/10/26</a:t>
             </a:fld>
             <a:endParaRPr lang="en-JP"/>
           </a:p>
@@ -2987,8 +2987,8 @@
         </p:nvSpPr>
         <p:spPr>
           <a:xfrm>
-            <a:off x="31261" y="20864"/>
-            <a:ext cx="2021707" cy="276999"/>
+            <a:off x="73427" y="116986"/>
+            <a:ext cx="2048510" cy="276999"/>
           </a:xfrm>
           <a:prstGeom prst="rect">
             <a:avLst/>
@@ -3002,18 +3002,11 @@
           <a:lstStyle/>
           <a:p>
             <a:r>
-              <a:rPr lang="en-JP" sz="1200" b="1" dirty="0">
-                <a:latin typeface="Arial" panose="020B0604020202020204" pitchFamily="34" charset="0"/>
-                <a:cs typeface="Arial" panose="020B0604020202020204" pitchFamily="34" charset="0"/>
-              </a:rPr>
-              <a:t>A</a:t>
-            </a:r>
-            <a:r>
               <a:rPr lang="en-JP" sz="1200" dirty="0">
                 <a:latin typeface="Arial" panose="020B0604020202020204" pitchFamily="34" charset="0"/>
                 <a:cs typeface="Arial" panose="020B0604020202020204" pitchFamily="34" charset="0"/>
               </a:rPr>
-              <a:t> Net form net blotch (self)</a:t>
+              <a:t>A  Net form net blotch (self)</a:t>
             </a:r>
           </a:p>
         </p:txBody>
@@ -3032,8 +3025,8 @@
         </p:nvSpPr>
         <p:spPr>
           <a:xfrm>
-            <a:off x="31261" y="2494428"/>
-            <a:ext cx="2377574" cy="276999"/>
+            <a:off x="31261" y="2527084"/>
+            <a:ext cx="2420856" cy="276999"/>
           </a:xfrm>
           <a:prstGeom prst="rect">
             <a:avLst/>
@@ -3047,18 +3040,11 @@
           <a:lstStyle/>
           <a:p>
             <a:r>
-              <a:rPr lang="en-JP" sz="1200" b="1" dirty="0">
-                <a:latin typeface="Arial" panose="020B0604020202020204" pitchFamily="34" charset="0"/>
-                <a:cs typeface="Arial" panose="020B0604020202020204" pitchFamily="34" charset="0"/>
-              </a:rPr>
-              <a:t>D</a:t>
-            </a:r>
-            <a:r>
               <a:rPr lang="en-JP" sz="1200" dirty="0">
                 <a:latin typeface="Arial" panose="020B0604020202020204" pitchFamily="34" charset="0"/>
                 <a:cs typeface="Arial" panose="020B0604020202020204" pitchFamily="34" charset="0"/>
               </a:rPr>
-              <a:t> Net form net blotch (neighbor)</a:t>
+              <a:t>D  Net form net blotch (neighbor)</a:t>
             </a:r>
           </a:p>
         </p:txBody>
@@ -3077,8 +3063,8 @@
         </p:nvSpPr>
         <p:spPr>
           <a:xfrm>
-            <a:off x="2348277" y="12072"/>
-            <a:ext cx="2098651" cy="276999"/>
+            <a:off x="2390443" y="108194"/>
+            <a:ext cx="2133918" cy="276999"/>
           </a:xfrm>
           <a:prstGeom prst="rect">
             <a:avLst/>
@@ -3092,18 +3078,11 @@
           <a:lstStyle/>
           <a:p>
             <a:r>
-              <a:rPr lang="en-JP" sz="1200" b="1" dirty="0">
-                <a:latin typeface="Arial" panose="020B0604020202020204" pitchFamily="34" charset="0"/>
-                <a:cs typeface="Arial" panose="020B0604020202020204" pitchFamily="34" charset="0"/>
-              </a:rPr>
-              <a:t>B</a:t>
-            </a:r>
-            <a:r>
               <a:rPr lang="en-JP" sz="1200" dirty="0">
                 <a:latin typeface="Arial" panose="020B0604020202020204" pitchFamily="34" charset="0"/>
                 <a:cs typeface="Arial" panose="020B0604020202020204" pitchFamily="34" charset="0"/>
               </a:rPr>
-              <a:t> Spot form net blotch (self)</a:t>
+              <a:t>B  Spot form net blotch (self)</a:t>
             </a:r>
           </a:p>
         </p:txBody>
@@ -3122,8 +3101,8 @@
         </p:nvSpPr>
         <p:spPr>
           <a:xfrm>
-            <a:off x="2391252" y="2489138"/>
-            <a:ext cx="2446504" cy="276999"/>
+            <a:off x="2391252" y="2521794"/>
+            <a:ext cx="2489784" cy="276999"/>
           </a:xfrm>
           <a:prstGeom prst="rect">
             <a:avLst/>
@@ -3137,11 +3116,18 @@
           <a:lstStyle/>
           <a:p>
             <a:r>
+              <a:rPr lang="en-JP" sz="1200" dirty="0">
+                <a:latin typeface="Arial" panose="020B0604020202020204" pitchFamily="34" charset="0"/>
+                <a:cs typeface="Arial" panose="020B0604020202020204" pitchFamily="34" charset="0"/>
+              </a:rPr>
+              <a:t>E</a:t>
+            </a:r>
+            <a:r>
               <a:rPr lang="en-JP" sz="1200" b="1" dirty="0">
                 <a:latin typeface="Arial" panose="020B0604020202020204" pitchFamily="34" charset="0"/>
                 <a:cs typeface="Arial" panose="020B0604020202020204" pitchFamily="34" charset="0"/>
               </a:rPr>
-              <a:t>E</a:t>
+              <a:t> </a:t>
             </a:r>
             <a:r>
               <a:rPr lang="en-JP" sz="1200" dirty="0">
@@ -3167,8 +3153,8 @@
         </p:nvSpPr>
         <p:spPr>
           <a:xfrm>
-            <a:off x="4809602" y="24552"/>
-            <a:ext cx="1106393" cy="276999"/>
+            <a:off x="4851768" y="120674"/>
+            <a:ext cx="1149674" cy="276999"/>
           </a:xfrm>
           <a:prstGeom prst="rect">
             <a:avLst/>
@@ -3182,18 +3168,11 @@
           <a:lstStyle/>
           <a:p>
             <a:r>
-              <a:rPr lang="en-JP" sz="1200" b="1" dirty="0">
-                <a:latin typeface="Arial" panose="020B0604020202020204" pitchFamily="34" charset="0"/>
-                <a:cs typeface="Arial" panose="020B0604020202020204" pitchFamily="34" charset="0"/>
-              </a:rPr>
-              <a:t>C</a:t>
-            </a:r>
-            <a:r>
               <a:rPr lang="en-JP" sz="1200" dirty="0">
                 <a:latin typeface="Arial" panose="020B0604020202020204" pitchFamily="34" charset="0"/>
                 <a:cs typeface="Arial" panose="020B0604020202020204" pitchFamily="34" charset="0"/>
               </a:rPr>
-              <a:t> Scald (self)</a:t>
+              <a:t>C  Scald (self)</a:t>
             </a:r>
           </a:p>
         </p:txBody>
@@ -3212,8 +3191,8 @@
         </p:nvSpPr>
         <p:spPr>
           <a:xfrm>
-            <a:off x="4821457" y="2489137"/>
-            <a:ext cx="1446230" cy="276999"/>
+            <a:off x="4821457" y="2521793"/>
+            <a:ext cx="1489510" cy="276999"/>
           </a:xfrm>
           <a:prstGeom prst="rect">
             <a:avLst/>
@@ -3227,18 +3206,11 @@
           <a:lstStyle/>
           <a:p>
             <a:r>
-              <a:rPr lang="en-JP" sz="1200" b="1" dirty="0">
-                <a:latin typeface="Arial" panose="020B0604020202020204" pitchFamily="34" charset="0"/>
-                <a:cs typeface="Arial" panose="020B0604020202020204" pitchFamily="34" charset="0"/>
-              </a:rPr>
-              <a:t>F</a:t>
-            </a:r>
-            <a:r>
               <a:rPr lang="en-JP" sz="1200" dirty="0">
                 <a:latin typeface="Arial" panose="020B0604020202020204" pitchFamily="34" charset="0"/>
                 <a:cs typeface="Arial" panose="020B0604020202020204" pitchFamily="34" charset="0"/>
               </a:rPr>
-              <a:t> Scald (neighbor)</a:t>
+              <a:t>F  Scald (neighbor)</a:t>
             </a:r>
           </a:p>
         </p:txBody>
@@ -3265,7 +3237,7 @@
         </p:blipFill>
         <p:spPr>
           <a:xfrm>
-            <a:off x="48852" y="262142"/>
+            <a:off x="91018" y="358264"/>
             <a:ext cx="2160000" cy="2160000"/>
           </a:xfrm>
           <a:prstGeom prst="rect">
@@ -3295,7 +3267,7 @@
         </p:blipFill>
         <p:spPr>
           <a:xfrm>
-            <a:off x="45156" y="2763327"/>
+            <a:off x="45156" y="2795983"/>
             <a:ext cx="2160000" cy="2160000"/>
           </a:xfrm>
           <a:prstGeom prst="rect">
@@ -3325,7 +3297,7 @@
         </p:blipFill>
         <p:spPr>
           <a:xfrm>
-            <a:off x="2353191" y="253345"/>
+            <a:off x="2395357" y="349467"/>
             <a:ext cx="2160000" cy="2160000"/>
           </a:xfrm>
           <a:prstGeom prst="rect">
@@ -3355,7 +3327,7 @@
         </p:blipFill>
         <p:spPr>
           <a:xfrm>
-            <a:off x="2346689" y="2763327"/>
+            <a:off x="2346689" y="2795983"/>
             <a:ext cx="2160000" cy="2160000"/>
           </a:xfrm>
           <a:prstGeom prst="rect">
@@ -3385,7 +3357,7 @@
         </p:blipFill>
         <p:spPr>
           <a:xfrm>
-            <a:off x="4624573" y="262142"/>
+            <a:off x="4666739" y="358264"/>
             <a:ext cx="2160000" cy="2160000"/>
           </a:xfrm>
           <a:prstGeom prst="rect">
@@ -3415,7 +3387,7 @@
         </p:blipFill>
         <p:spPr>
           <a:xfrm>
-            <a:off x="4624573" y="2763327"/>
+            <a:off x="4624573" y="2795983"/>
             <a:ext cx="2160000" cy="2160000"/>
           </a:xfrm>
           <a:prstGeom prst="rect">

--- a/figures/barleyQQ.pptx
+++ b/figures/barleyQQ.pptx
@@ -243,7 +243,7 @@
           <a:p>
             <a:fld id="{D34E64AC-DB66-F145-9B13-8F141C27D869}" type="datetimeFigureOut">
               <a:rPr lang="en-JP" smtClean="0"/>
-              <a:t>2024/10/26</a:t>
+              <a:t>2025/01/09</a:t>
             </a:fld>
             <a:endParaRPr lang="en-JP"/>
           </a:p>
@@ -413,7 +413,7 @@
           <a:p>
             <a:fld id="{D34E64AC-DB66-F145-9B13-8F141C27D869}" type="datetimeFigureOut">
               <a:rPr lang="en-JP" smtClean="0"/>
-              <a:t>2024/10/26</a:t>
+              <a:t>2025/01/09</a:t>
             </a:fld>
             <a:endParaRPr lang="en-JP"/>
           </a:p>
@@ -593,7 +593,7 @@
           <a:p>
             <a:fld id="{D34E64AC-DB66-F145-9B13-8F141C27D869}" type="datetimeFigureOut">
               <a:rPr lang="en-JP" smtClean="0"/>
-              <a:t>2024/10/26</a:t>
+              <a:t>2025/01/09</a:t>
             </a:fld>
             <a:endParaRPr lang="en-JP"/>
           </a:p>
@@ -763,7 +763,7 @@
           <a:p>
             <a:fld id="{D34E64AC-DB66-F145-9B13-8F141C27D869}" type="datetimeFigureOut">
               <a:rPr lang="en-JP" smtClean="0"/>
-              <a:t>2024/10/26</a:t>
+              <a:t>2025/01/09</a:t>
             </a:fld>
             <a:endParaRPr lang="en-JP"/>
           </a:p>
@@ -1009,7 +1009,7 @@
           <a:p>
             <a:fld id="{D34E64AC-DB66-F145-9B13-8F141C27D869}" type="datetimeFigureOut">
               <a:rPr lang="en-JP" smtClean="0"/>
-              <a:t>2024/10/26</a:t>
+              <a:t>2025/01/09</a:t>
             </a:fld>
             <a:endParaRPr lang="en-JP"/>
           </a:p>
@@ -1241,7 +1241,7 @@
           <a:p>
             <a:fld id="{D34E64AC-DB66-F145-9B13-8F141C27D869}" type="datetimeFigureOut">
               <a:rPr lang="en-JP" smtClean="0"/>
-              <a:t>2024/10/26</a:t>
+              <a:t>2025/01/09</a:t>
             </a:fld>
             <a:endParaRPr lang="en-JP"/>
           </a:p>
@@ -1608,7 +1608,7 @@
           <a:p>
             <a:fld id="{D34E64AC-DB66-F145-9B13-8F141C27D869}" type="datetimeFigureOut">
               <a:rPr lang="en-JP" smtClean="0"/>
-              <a:t>2024/10/26</a:t>
+              <a:t>2025/01/09</a:t>
             </a:fld>
             <a:endParaRPr lang="en-JP"/>
           </a:p>
@@ -1726,7 +1726,7 @@
           <a:p>
             <a:fld id="{D34E64AC-DB66-F145-9B13-8F141C27D869}" type="datetimeFigureOut">
               <a:rPr lang="en-JP" smtClean="0"/>
-              <a:t>2024/10/26</a:t>
+              <a:t>2025/01/09</a:t>
             </a:fld>
             <a:endParaRPr lang="en-JP"/>
           </a:p>
@@ -1821,7 +1821,7 @@
           <a:p>
             <a:fld id="{D34E64AC-DB66-F145-9B13-8F141C27D869}" type="datetimeFigureOut">
               <a:rPr lang="en-JP" smtClean="0"/>
-              <a:t>2024/10/26</a:t>
+              <a:t>2025/01/09</a:t>
             </a:fld>
             <a:endParaRPr lang="en-JP"/>
           </a:p>
@@ -2098,7 +2098,7 @@
           <a:p>
             <a:fld id="{D34E64AC-DB66-F145-9B13-8F141C27D869}" type="datetimeFigureOut">
               <a:rPr lang="en-JP" smtClean="0"/>
-              <a:t>2024/10/26</a:t>
+              <a:t>2025/01/09</a:t>
             </a:fld>
             <a:endParaRPr lang="en-JP"/>
           </a:p>
@@ -2355,7 +2355,7 @@
           <a:p>
             <a:fld id="{D34E64AC-DB66-F145-9B13-8F141C27D869}" type="datetimeFigureOut">
               <a:rPr lang="en-JP" smtClean="0"/>
-              <a:t>2024/10/26</a:t>
+              <a:t>2025/01/09</a:t>
             </a:fld>
             <a:endParaRPr lang="en-JP"/>
           </a:p>
@@ -2568,7 +2568,7 @@
           <a:p>
             <a:fld id="{D34E64AC-DB66-F145-9B13-8F141C27D869}" type="datetimeFigureOut">
               <a:rPr lang="en-JP" smtClean="0"/>
-              <a:t>2024/10/26</a:t>
+              <a:t>2025/01/09</a:t>
             </a:fld>
             <a:endParaRPr lang="en-JP"/>
           </a:p>
@@ -3217,10 +3217,10 @@
       </p:sp>
       <p:pic>
         <p:nvPicPr>
-          <p:cNvPr id="57" name="Picture 56">
+          <p:cNvPr id="3" name="Picture 2">
             <a:extLst>
               <a:ext uri="{FF2B5EF4-FFF2-40B4-BE49-F238E27FC236}">
-                <a16:creationId xmlns:a16="http://schemas.microsoft.com/office/drawing/2014/main" id="{86788157-641B-F4CE-7C3F-CEFC25ED0645}"/>
+                <a16:creationId xmlns:a16="http://schemas.microsoft.com/office/drawing/2014/main" id="{14A3A9C4-0954-AA43-A1B1-F7A3A1E7ECAD}"/>
               </a:ext>
             </a:extLst>
           </p:cNvPr>
@@ -3237,7 +3237,7 @@
         </p:blipFill>
         <p:spPr>
           <a:xfrm>
-            <a:off x="91018" y="358264"/>
+            <a:off x="54200" y="385747"/>
             <a:ext cx="2160000" cy="2160000"/>
           </a:xfrm>
           <a:prstGeom prst="rect">
@@ -3247,10 +3247,10 @@
       </p:pic>
       <p:pic>
         <p:nvPicPr>
-          <p:cNvPr id="58" name="Picture 57">
+          <p:cNvPr id="5" name="Picture 4">
             <a:extLst>
               <a:ext uri="{FF2B5EF4-FFF2-40B4-BE49-F238E27FC236}">
-                <a16:creationId xmlns:a16="http://schemas.microsoft.com/office/drawing/2014/main" id="{FD8F525C-0C85-3E35-2349-97F311EE58F1}"/>
+                <a16:creationId xmlns:a16="http://schemas.microsoft.com/office/drawing/2014/main" id="{99C29999-17BE-71B6-A5AB-FDA45F517942}"/>
               </a:ext>
             </a:extLst>
           </p:cNvPr>
@@ -3267,7 +3267,7 @@
         </p:blipFill>
         <p:spPr>
           <a:xfrm>
-            <a:off x="45156" y="2795983"/>
+            <a:off x="2277353" y="381732"/>
             <a:ext cx="2160000" cy="2160000"/>
           </a:xfrm>
           <a:prstGeom prst="rect">
@@ -3277,10 +3277,10 @@
       </p:pic>
       <p:pic>
         <p:nvPicPr>
-          <p:cNvPr id="59" name="Picture 58">
+          <p:cNvPr id="7" name="Picture 6">
             <a:extLst>
               <a:ext uri="{FF2B5EF4-FFF2-40B4-BE49-F238E27FC236}">
-                <a16:creationId xmlns:a16="http://schemas.microsoft.com/office/drawing/2014/main" id="{D4191FBB-E588-7D04-CFD0-A299FBAEE553}"/>
+                <a16:creationId xmlns:a16="http://schemas.microsoft.com/office/drawing/2014/main" id="{42DCB26B-5847-6384-7348-A201E03B4A41}"/>
               </a:ext>
             </a:extLst>
           </p:cNvPr>
@@ -3297,7 +3297,7 @@
         </p:blipFill>
         <p:spPr>
           <a:xfrm>
-            <a:off x="2395357" y="349467"/>
+            <a:off x="4491289" y="361033"/>
             <a:ext cx="2160000" cy="2160000"/>
           </a:xfrm>
           <a:prstGeom prst="rect">
@@ -3307,10 +3307,10 @@
       </p:pic>
       <p:pic>
         <p:nvPicPr>
-          <p:cNvPr id="60" name="Picture 59">
+          <p:cNvPr id="9" name="Picture 8">
             <a:extLst>
               <a:ext uri="{FF2B5EF4-FFF2-40B4-BE49-F238E27FC236}">
-                <a16:creationId xmlns:a16="http://schemas.microsoft.com/office/drawing/2014/main" id="{EA3E6D9C-C0B3-F8F2-C02A-53EDE0DF62B6}"/>
+                <a16:creationId xmlns:a16="http://schemas.microsoft.com/office/drawing/2014/main" id="{3775EFE2-F09F-5E7F-202F-5DEAA8C43580}"/>
               </a:ext>
             </a:extLst>
           </p:cNvPr>
@@ -3327,7 +3327,7 @@
         </p:blipFill>
         <p:spPr>
           <a:xfrm>
-            <a:off x="2346689" y="2795983"/>
+            <a:off x="54200" y="2880313"/>
             <a:ext cx="2160000" cy="2160000"/>
           </a:xfrm>
           <a:prstGeom prst="rect">
@@ -3337,10 +3337,10 @@
       </p:pic>
       <p:pic>
         <p:nvPicPr>
-          <p:cNvPr id="61" name="Picture 60">
+          <p:cNvPr id="11" name="Picture 10">
             <a:extLst>
               <a:ext uri="{FF2B5EF4-FFF2-40B4-BE49-F238E27FC236}">
-                <a16:creationId xmlns:a16="http://schemas.microsoft.com/office/drawing/2014/main" id="{F2D1F633-4F05-415B-5212-61EA7DF92DC4}"/>
+                <a16:creationId xmlns:a16="http://schemas.microsoft.com/office/drawing/2014/main" id="{7E7B460B-632B-5DC8-FB8C-34B4C0282AE5}"/>
               </a:ext>
             </a:extLst>
           </p:cNvPr>
@@ -3357,7 +3357,7 @@
         </p:blipFill>
         <p:spPr>
           <a:xfrm>
-            <a:off x="4666739" y="358264"/>
+            <a:off x="2277353" y="2880313"/>
             <a:ext cx="2160000" cy="2160000"/>
           </a:xfrm>
           <a:prstGeom prst="rect">
@@ -3367,10 +3367,10 @@
       </p:pic>
       <p:pic>
         <p:nvPicPr>
-          <p:cNvPr id="62" name="Picture 61">
+          <p:cNvPr id="13" name="Picture 12">
             <a:extLst>
               <a:ext uri="{FF2B5EF4-FFF2-40B4-BE49-F238E27FC236}">
-                <a16:creationId xmlns:a16="http://schemas.microsoft.com/office/drawing/2014/main" id="{DD112492-07EC-F8D1-D7DB-BB7A8C1394AB}"/>
+                <a16:creationId xmlns:a16="http://schemas.microsoft.com/office/drawing/2014/main" id="{43566AB3-DF30-43D6-D51C-493644F43175}"/>
               </a:ext>
             </a:extLst>
           </p:cNvPr>
@@ -3387,7 +3387,7 @@
         </p:blipFill>
         <p:spPr>
           <a:xfrm>
-            <a:off x="4624573" y="2795983"/>
+            <a:off x="4491289" y="2880313"/>
             <a:ext cx="2160000" cy="2160000"/>
           </a:xfrm>
           <a:prstGeom prst="rect">
